--- a/Presentation/Group14_Abdul-WahabMahmood,HassanAli,MatheusShimizuFelisberto,JumailHussain,YufeiZhang.pptx
+++ b/Presentation/Group14_Abdul-WahabMahmood,HassanAli,MatheusShimizuFelisberto,JumailHussain,YufeiZhang.pptx
@@ -2,20 +2,20 @@
 <file path=ppt/presentation.xml><?xml version="1.0" encoding="utf-8"?>
 <p:presentation xmlns:a="http://schemas.openxmlformats.org/drawingml/2006/main" xmlns:r="http://schemas.openxmlformats.org/officeDocument/2006/relationships" xmlns:p="http://schemas.openxmlformats.org/presentationml/2006/main" autoCompressPictures="0">
   <p:sldMasterIdLst>
-    <p:sldMasterId id="2147484246" r:id="rId1"/>
+    <p:sldMasterId id="2147483648" r:id="rId1"/>
   </p:sldMasterIdLst>
   <p:sldIdLst>
-    <p:sldId id="256" r:id="rId2"/>
-    <p:sldId id="257" r:id="rId3"/>
-    <p:sldId id="258" r:id="rId4"/>
-    <p:sldId id="259" r:id="rId5"/>
-    <p:sldId id="260" r:id="rId6"/>
-    <p:sldId id="261" r:id="rId7"/>
-    <p:sldId id="262" r:id="rId8"/>
-    <p:sldId id="263" r:id="rId9"/>
-    <p:sldId id="266" r:id="rId10"/>
-    <p:sldId id="264" r:id="rId11"/>
-    <p:sldId id="265" r:id="rId12"/>
+    <p:sldId id="256" r:id="rId3"/>
+    <p:sldId id="257" r:id="rId4"/>
+    <p:sldId id="258" r:id="rId5"/>
+    <p:sldId id="259" r:id="rId6"/>
+    <p:sldId id="260" r:id="rId7"/>
+    <p:sldId id="261" r:id="rId8"/>
+    <p:sldId id="262" r:id="rId9"/>
+    <p:sldId id="263" r:id="rId10"/>
+    <p:sldId id="266" r:id="rId11"/>
+    <p:sldId id="264" r:id="rId12"/>
+    <p:sldId id="265" r:id="rId13"/>
   </p:sldIdLst>
   <p:sldSz cx="12192000" cy="6858000"/>
   <p:notesSz cx="6858000" cy="9144000"/>
@@ -114,27 +114,11 @@
       </a:defRPr>
     </a:lvl9pPr>
   </p:defaultTextStyle>
-  <p:extLst>
-    <p:ext uri="{EFAFB233-063F-42B5-8137-9DF3F51BA10A}">
-      <p15:sldGuideLst xmlns:p15="http://schemas.microsoft.com/office/powerpoint/2012/main">
-        <p15:guide id="1" orient="horz" pos="2160">
-          <p15:clr>
-            <a:srgbClr val="A4A3A4"/>
-          </p15:clr>
-        </p15:guide>
-        <p15:guide id="2" pos="3840">
-          <p15:clr>
-            <a:srgbClr val="A4A3A4"/>
-          </p15:clr>
-        </p15:guide>
-      </p15:sldGuideLst>
-    </p:ext>
-  </p:extLst>
 </p:presentation>
 </file>
 
 <file path=ppt/slideLayouts/slideLayout1.xml><?xml version="1.0" encoding="utf-8"?>
-<p:sldLayout xmlns:a="http://schemas.openxmlformats.org/drawingml/2006/main" xmlns:r="http://schemas.openxmlformats.org/officeDocument/2006/relationships" xmlns:p="http://schemas.openxmlformats.org/presentationml/2006/main" showMasterSp="0" type="title" preserve="1">
+<p:sldLayout xmlns:a="http://schemas.openxmlformats.org/drawingml/2006/main" xmlns:r="http://schemas.openxmlformats.org/officeDocument/2006/relationships" xmlns:p="http://schemas.openxmlformats.org/presentationml/2006/main" type="title" preserve="1" showMasterSp="0">
   <p:cSld name="Title Slide">
     <p:spTree>
       <p:nvGrpSpPr>
@@ -779,7 +763,6 @@
           <a:p>
             <a:fld id="{48A87A34-81AB-432B-8DAE-1953F412C126}" type="datetimeFigureOut">
               <a:rPr lang="en-US" smtClean="0"/>
-              <a:t>4/5/2019</a:t>
             </a:fld>
             <a:endParaRPr lang="en-US" dirty="0"/>
           </a:p>
@@ -881,18 +864,12 @@
           <a:p>
             <a:fld id="{6D22F896-40B5-4ADD-8801-0D06FADFA095}" type="slidenum">
               <a:rPr lang="en-US" smtClean="0"/>
-              <a:t>‹#›</a:t>
             </a:fld>
             <a:endParaRPr lang="en-US" dirty="0"/>
           </a:p>
         </p:txBody>
       </p:sp>
     </p:spTree>
-    <p:extLst>
-      <p:ext uri="{BB962C8B-B14F-4D97-AF65-F5344CB8AC3E}">
-        <p14:creationId xmlns:p14="http://schemas.microsoft.com/office/powerpoint/2010/main" val="1724578929"/>
-      </p:ext>
-    </p:extLst>
   </p:cSld>
   <p:clrMapOvr>
     <a:masterClrMapping/>
@@ -1879,6 +1856,7 @@
               <a:rPr lang="en-US"/>
               <a:t>Edit Master text styles</a:t>
             </a:r>
+            <a:endParaRPr lang="en-US"/>
           </a:p>
         </p:txBody>
       </p:sp>
@@ -1899,8 +1877,6 @@
           <a:p>
             <a:fld id="{48A87A34-81AB-432B-8DAE-1953F412C126}" type="datetimeFigureOut">
               <a:rPr lang="en-US" smtClean="0"/>
-              <a:pPr/>
-              <a:t>4/5/2019</a:t>
             </a:fld>
             <a:endParaRPr lang="en-US" dirty="0"/>
           </a:p>
@@ -1978,19 +1954,12 @@
           <a:p>
             <a:fld id="{6D22F896-40B5-4ADD-8801-0D06FADFA095}" type="slidenum">
               <a:rPr lang="en-US" smtClean="0"/>
-              <a:pPr/>
-              <a:t>‹#›</a:t>
             </a:fld>
             <a:endParaRPr lang="en-US" dirty="0"/>
           </a:p>
         </p:txBody>
       </p:sp>
     </p:spTree>
-    <p:extLst>
-      <p:ext uri="{BB962C8B-B14F-4D97-AF65-F5344CB8AC3E}">
-        <p14:creationId xmlns:p14="http://schemas.microsoft.com/office/powerpoint/2010/main" val="347954104"/>
-      </p:ext>
-    </p:extLst>
   </p:cSld>
   <p:clrMapOvr>
     <a:masterClrMapping/>
@@ -1999,7 +1968,7 @@
 </file>
 
 <file path=ppt/slideLayouts/slideLayout11.xml><?xml version="1.0" encoding="utf-8"?>
-<p:sldLayout xmlns:a="http://schemas.openxmlformats.org/drawingml/2006/main" xmlns:r="http://schemas.openxmlformats.org/officeDocument/2006/relationships" xmlns:p="http://schemas.openxmlformats.org/presentationml/2006/main" showMasterSp="0" preserve="1">
+<p:sldLayout xmlns:a="http://schemas.openxmlformats.org/drawingml/2006/main" xmlns:r="http://schemas.openxmlformats.org/officeDocument/2006/relationships" xmlns:p="http://schemas.openxmlformats.org/presentationml/2006/main" preserve="1" showMasterSp="0">
   <p:cSld name="Title and Caption">
     <p:spTree>
       <p:nvGrpSpPr>
@@ -2892,6 +2861,7 @@
               <a:rPr lang="en-US"/>
               <a:t>Edit Master text styles</a:t>
             </a:r>
+            <a:endParaRPr lang="en-US"/>
           </a:p>
         </p:txBody>
       </p:sp>
@@ -2912,8 +2882,6 @@
           <a:p>
             <a:fld id="{48A87A34-81AB-432B-8DAE-1953F412C126}" type="datetimeFigureOut">
               <a:rPr lang="en-US" smtClean="0"/>
-              <a:pPr/>
-              <a:t>4/5/2019</a:t>
             </a:fld>
             <a:endParaRPr lang="en-US" dirty="0"/>
           </a:p>
@@ -2991,19 +2959,12 @@
           <a:p>
             <a:fld id="{6D22F896-40B5-4ADD-8801-0D06FADFA095}" type="slidenum">
               <a:rPr lang="en-US" smtClean="0"/>
-              <a:pPr/>
-              <a:t>‹#›</a:t>
             </a:fld>
             <a:endParaRPr lang="en-US" dirty="0"/>
           </a:p>
         </p:txBody>
       </p:sp>
     </p:spTree>
-    <p:extLst>
-      <p:ext uri="{BB962C8B-B14F-4D97-AF65-F5344CB8AC3E}">
-        <p14:creationId xmlns:p14="http://schemas.microsoft.com/office/powerpoint/2010/main" val="1913760506"/>
-      </p:ext>
-    </p:extLst>
   </p:cSld>
   <p:clrMapOvr>
     <a:masterClrMapping/>
@@ -3012,7 +2973,7 @@
 </file>
 
 <file path=ppt/slideLayouts/slideLayout12.xml><?xml version="1.0" encoding="utf-8"?>
-<p:sldLayout xmlns:a="http://schemas.openxmlformats.org/drawingml/2006/main" xmlns:r="http://schemas.openxmlformats.org/officeDocument/2006/relationships" xmlns:p="http://schemas.openxmlformats.org/presentationml/2006/main" showMasterSp="0" preserve="1">
+<p:sldLayout xmlns:a="http://schemas.openxmlformats.org/drawingml/2006/main" xmlns:r="http://schemas.openxmlformats.org/officeDocument/2006/relationships" xmlns:p="http://schemas.openxmlformats.org/presentationml/2006/main" preserve="1" showMasterSp="0">
   <p:cSld name="Quote with Caption">
     <p:spTree>
       <p:nvGrpSpPr>
@@ -3838,8 +3799,8 @@
                 <a:solidFill>
                   <a:schemeClr val="accent1"/>
                 </a:solidFill>
-                <a:latin typeface="Arial"/>
-                <a:cs typeface="Arial"/>
+                <a:latin typeface="Arial" panose="020B0604020202020204"/>
+                <a:cs typeface="Arial" panose="020B0604020202020204"/>
               </a:defRPr>
             </a:lvl1pPr>
           </a:lstStyle>
@@ -3849,6 +3810,7 @@
               <a:rPr lang="en-US" sz="9600" dirty="0"/>
               <a:t>”</a:t>
             </a:r>
+            <a:endParaRPr lang="en-US" sz="9600" dirty="0"/>
           </a:p>
         </p:txBody>
       </p:sp>
@@ -3881,8 +3843,8 @@
                 <a:solidFill>
                   <a:schemeClr val="accent1"/>
                 </a:solidFill>
-                <a:latin typeface="Arial"/>
-                <a:cs typeface="Arial"/>
+                <a:latin typeface="Arial" panose="020B0604020202020204"/>
+                <a:cs typeface="Arial" panose="020B0604020202020204"/>
               </a:defRPr>
             </a:lvl1pPr>
           </a:lstStyle>
@@ -3892,6 +3854,7 @@
               <a:rPr lang="en-US" sz="9600" dirty="0"/>
               <a:t>“</a:t>
             </a:r>
+            <a:endParaRPr lang="en-US" sz="9600" dirty="0"/>
           </a:p>
         </p:txBody>
       </p:sp>
@@ -3997,6 +3960,7 @@
               <a:rPr lang="en-US"/>
               <a:t>Edit Master text styles</a:t>
             </a:r>
+            <a:endParaRPr lang="en-US"/>
           </a:p>
         </p:txBody>
       </p:sp>
@@ -4064,6 +4028,7 @@
               <a:rPr lang="en-US"/>
               <a:t>Edit Master text styles</a:t>
             </a:r>
+            <a:endParaRPr lang="en-US"/>
           </a:p>
         </p:txBody>
       </p:sp>
@@ -4084,8 +4049,6 @@
           <a:p>
             <a:fld id="{48A87A34-81AB-432B-8DAE-1953F412C126}" type="datetimeFigureOut">
               <a:rPr lang="en-US" smtClean="0"/>
-              <a:pPr/>
-              <a:t>4/5/2019</a:t>
             </a:fld>
             <a:endParaRPr lang="en-US" dirty="0"/>
           </a:p>
@@ -4163,19 +4126,12 @@
           <a:p>
             <a:fld id="{6D22F896-40B5-4ADD-8801-0D06FADFA095}" type="slidenum">
               <a:rPr lang="en-US" smtClean="0"/>
-              <a:pPr/>
-              <a:t>‹#›</a:t>
             </a:fld>
             <a:endParaRPr lang="en-US" dirty="0"/>
           </a:p>
         </p:txBody>
       </p:sp>
     </p:spTree>
-    <p:extLst>
-      <p:ext uri="{BB962C8B-B14F-4D97-AF65-F5344CB8AC3E}">
-        <p14:creationId xmlns:p14="http://schemas.microsoft.com/office/powerpoint/2010/main" val="2883496479"/>
-      </p:ext>
-    </p:extLst>
   </p:cSld>
   <p:clrMapOvr>
     <a:masterClrMapping/>
@@ -4184,7 +4140,7 @@
 </file>
 
 <file path=ppt/slideLayouts/slideLayout13.xml><?xml version="1.0" encoding="utf-8"?>
-<p:sldLayout xmlns:a="http://schemas.openxmlformats.org/drawingml/2006/main" xmlns:r="http://schemas.openxmlformats.org/officeDocument/2006/relationships" xmlns:p="http://schemas.openxmlformats.org/presentationml/2006/main" showMasterSp="0" preserve="1">
+<p:sldLayout xmlns:a="http://schemas.openxmlformats.org/drawingml/2006/main" xmlns:r="http://schemas.openxmlformats.org/officeDocument/2006/relationships" xmlns:p="http://schemas.openxmlformats.org/presentationml/2006/main" preserve="1" showMasterSp="0">
   <p:cSld name="Name Card">
     <p:spTree>
       <p:nvGrpSpPr>
@@ -5127,6 +5083,7 @@
               <a:rPr lang="en-US"/>
               <a:t>Edit Master text styles</a:t>
             </a:r>
+            <a:endParaRPr lang="en-US"/>
           </a:p>
         </p:txBody>
       </p:sp>
@@ -5147,8 +5104,6 @@
           <a:p>
             <a:fld id="{48A87A34-81AB-432B-8DAE-1953F412C126}" type="datetimeFigureOut">
               <a:rPr lang="en-US" smtClean="0"/>
-              <a:pPr/>
-              <a:t>4/5/2019</a:t>
             </a:fld>
             <a:endParaRPr lang="en-US" dirty="0"/>
           </a:p>
@@ -5226,19 +5181,12 @@
           <a:p>
             <a:fld id="{6D22F896-40B5-4ADD-8801-0D06FADFA095}" type="slidenum">
               <a:rPr lang="en-US" smtClean="0"/>
-              <a:pPr/>
-              <a:t>‹#›</a:t>
             </a:fld>
             <a:endParaRPr lang="en-US" dirty="0"/>
           </a:p>
         </p:txBody>
       </p:sp>
     </p:spTree>
-    <p:extLst>
-      <p:ext uri="{BB962C8B-B14F-4D97-AF65-F5344CB8AC3E}">
-        <p14:creationId xmlns:p14="http://schemas.microsoft.com/office/powerpoint/2010/main" val="2505977234"/>
-      </p:ext>
-    </p:extLst>
   </p:cSld>
   <p:clrMapOvr>
     <a:masterClrMapping/>
@@ -5358,6 +5306,7 @@
               <a:rPr lang="en-US"/>
               <a:t>Edit Master text styles</a:t>
             </a:r>
+            <a:endParaRPr lang="en-US"/>
           </a:p>
         </p:txBody>
       </p:sp>
@@ -5425,6 +5374,7 @@
               <a:rPr lang="en-US"/>
               <a:t>Edit Master text styles</a:t>
             </a:r>
+            <a:endParaRPr lang="en-US"/>
           </a:p>
         </p:txBody>
       </p:sp>
@@ -5496,6 +5446,7 @@
               <a:rPr lang="en-US"/>
               <a:t>Edit Master text styles</a:t>
             </a:r>
+            <a:endParaRPr lang="en-US"/>
           </a:p>
         </p:txBody>
       </p:sp>
@@ -5563,6 +5514,7 @@
               <a:rPr lang="en-US"/>
               <a:t>Edit Master text styles</a:t>
             </a:r>
+            <a:endParaRPr lang="en-US"/>
           </a:p>
         </p:txBody>
       </p:sp>
@@ -5634,6 +5586,7 @@
               <a:rPr lang="en-US"/>
               <a:t>Edit Master text styles</a:t>
             </a:r>
+            <a:endParaRPr lang="en-US"/>
           </a:p>
         </p:txBody>
       </p:sp>
@@ -5701,6 +5654,7 @@
               <a:rPr lang="en-US"/>
               <a:t>Edit Master text styles</a:t>
             </a:r>
+            <a:endParaRPr lang="en-US"/>
           </a:p>
         </p:txBody>
       </p:sp>
@@ -5795,8 +5749,6 @@
           <a:p>
             <a:fld id="{48A87A34-81AB-432B-8DAE-1953F412C126}" type="datetimeFigureOut">
               <a:rPr lang="en-US" smtClean="0"/>
-              <a:pPr/>
-              <a:t>4/5/2019</a:t>
             </a:fld>
             <a:endParaRPr lang="en-US" dirty="0"/>
           </a:p>
@@ -5838,19 +5790,12 @@
           <a:p>
             <a:fld id="{6D22F896-40B5-4ADD-8801-0D06FADFA095}" type="slidenum">
               <a:rPr lang="en-US" smtClean="0"/>
-              <a:pPr/>
-              <a:t>‹#›</a:t>
             </a:fld>
             <a:endParaRPr lang="en-US" dirty="0"/>
           </a:p>
         </p:txBody>
       </p:sp>
     </p:spTree>
-    <p:extLst>
-      <p:ext uri="{BB962C8B-B14F-4D97-AF65-F5344CB8AC3E}">
-        <p14:creationId xmlns:p14="http://schemas.microsoft.com/office/powerpoint/2010/main" val="4252878131"/>
-      </p:ext>
-    </p:extLst>
   </p:cSld>
   <p:clrMapOvr>
     <a:masterClrMapping/>
@@ -5970,6 +5915,7 @@
               <a:rPr lang="en-US"/>
               <a:t>Edit Master text styles</a:t>
             </a:r>
+            <a:endParaRPr lang="en-US"/>
           </a:p>
         </p:txBody>
       </p:sp>
@@ -6116,6 +6062,7 @@
               <a:rPr lang="en-US"/>
               <a:t>Edit Master text styles</a:t>
             </a:r>
+            <a:endParaRPr lang="en-US"/>
           </a:p>
         </p:txBody>
       </p:sp>
@@ -6187,6 +6134,7 @@
               <a:rPr lang="en-US"/>
               <a:t>Edit Master text styles</a:t>
             </a:r>
+            <a:endParaRPr lang="en-US"/>
           </a:p>
         </p:txBody>
       </p:sp>
@@ -6333,6 +6281,7 @@
               <a:rPr lang="en-US"/>
               <a:t>Edit Master text styles</a:t>
             </a:r>
+            <a:endParaRPr lang="en-US"/>
           </a:p>
         </p:txBody>
       </p:sp>
@@ -6404,6 +6353,7 @@
               <a:rPr lang="en-US"/>
               <a:t>Edit Master text styles</a:t>
             </a:r>
+            <a:endParaRPr lang="en-US"/>
           </a:p>
         </p:txBody>
       </p:sp>
@@ -6550,6 +6500,7 @@
               <a:rPr lang="en-US"/>
               <a:t>Edit Master text styles</a:t>
             </a:r>
+            <a:endParaRPr lang="en-US"/>
           </a:p>
         </p:txBody>
       </p:sp>
@@ -6644,8 +6595,6 @@
           <a:p>
             <a:fld id="{48A87A34-81AB-432B-8DAE-1953F412C126}" type="datetimeFigureOut">
               <a:rPr lang="en-US" smtClean="0"/>
-              <a:pPr/>
-              <a:t>4/5/2019</a:t>
             </a:fld>
             <a:endParaRPr lang="en-US" dirty="0"/>
           </a:p>
@@ -6687,19 +6636,12 @@
           <a:p>
             <a:fld id="{6D22F896-40B5-4ADD-8801-0D06FADFA095}" type="slidenum">
               <a:rPr lang="en-US" smtClean="0"/>
-              <a:pPr/>
-              <a:t>‹#›</a:t>
             </a:fld>
             <a:endParaRPr lang="en-US" dirty="0"/>
           </a:p>
         </p:txBody>
       </p:sp>
     </p:spTree>
-    <p:extLst>
-      <p:ext uri="{BB962C8B-B14F-4D97-AF65-F5344CB8AC3E}">
-        <p14:creationId xmlns:p14="http://schemas.microsoft.com/office/powerpoint/2010/main" val="589184052"/>
-      </p:ext>
-    </p:extLst>
   </p:cSld>
   <p:clrMapOvr>
     <a:masterClrMapping/>
@@ -6772,6 +6714,7 @@
               <a:rPr lang="en-US"/>
               <a:t>Edit Master text styles</a:t>
             </a:r>
+            <a:endParaRPr lang="en-US"/>
           </a:p>
           <a:p>
             <a:pPr lvl="1"/>
@@ -6779,6 +6722,7 @@
               <a:rPr lang="en-US"/>
               <a:t>Second level</a:t>
             </a:r>
+            <a:endParaRPr lang="en-US"/>
           </a:p>
           <a:p>
             <a:pPr lvl="2"/>
@@ -6786,6 +6730,7 @@
               <a:rPr lang="en-US"/>
               <a:t>Third level</a:t>
             </a:r>
+            <a:endParaRPr lang="en-US"/>
           </a:p>
           <a:p>
             <a:pPr lvl="3"/>
@@ -6793,6 +6738,7 @@
               <a:rPr lang="en-US"/>
               <a:t>Fourth level</a:t>
             </a:r>
+            <a:endParaRPr lang="en-US"/>
           </a:p>
           <a:p>
             <a:pPr lvl="4"/>
@@ -6821,7 +6767,6 @@
           <a:p>
             <a:fld id="{48A87A34-81AB-432B-8DAE-1953F412C126}" type="datetimeFigureOut">
               <a:rPr lang="en-US" smtClean="0"/>
-              <a:t>4/5/2019</a:t>
             </a:fld>
             <a:endParaRPr lang="en-US" dirty="0"/>
           </a:p>
@@ -6863,18 +6808,12 @@
           <a:p>
             <a:fld id="{6D22F896-40B5-4ADD-8801-0D06FADFA095}" type="slidenum">
               <a:rPr lang="en-US" smtClean="0"/>
-              <a:t>‹#›</a:t>
             </a:fld>
             <a:endParaRPr lang="en-US" dirty="0"/>
           </a:p>
         </p:txBody>
       </p:sp>
     </p:spTree>
-    <p:extLst>
-      <p:ext uri="{BB962C8B-B14F-4D97-AF65-F5344CB8AC3E}">
-        <p14:creationId xmlns:p14="http://schemas.microsoft.com/office/powerpoint/2010/main" val="863611114"/>
-      </p:ext>
-    </p:extLst>
   </p:cSld>
   <p:clrMapOvr>
     <a:masterClrMapping/>
@@ -6883,7 +6822,7 @@
 </file>
 
 <file path=ppt/slideLayouts/slideLayout17.xml><?xml version="1.0" encoding="utf-8"?>
-<p:sldLayout xmlns:a="http://schemas.openxmlformats.org/drawingml/2006/main" xmlns:r="http://schemas.openxmlformats.org/officeDocument/2006/relationships" xmlns:p="http://schemas.openxmlformats.org/presentationml/2006/main" showMasterSp="0" type="vertTitleAndTx" preserve="1">
+<p:sldLayout xmlns:a="http://schemas.openxmlformats.org/drawingml/2006/main" xmlns:r="http://schemas.openxmlformats.org/officeDocument/2006/relationships" xmlns:p="http://schemas.openxmlformats.org/presentationml/2006/main" type="vertTitleAndTx" preserve="1" showMasterSp="0">
   <p:cSld name="Vertical Title and Text">
     <p:spTree>
       <p:nvGrpSpPr>
@@ -7770,6 +7709,7 @@
               <a:rPr lang="en-US"/>
               <a:t>Edit Master text styles</a:t>
             </a:r>
+            <a:endParaRPr lang="en-US"/>
           </a:p>
           <a:p>
             <a:pPr lvl="1"/>
@@ -7777,6 +7717,7 @@
               <a:rPr lang="en-US"/>
               <a:t>Second level</a:t>
             </a:r>
+            <a:endParaRPr lang="en-US"/>
           </a:p>
           <a:p>
             <a:pPr lvl="2"/>
@@ -7784,6 +7725,7 @@
               <a:rPr lang="en-US"/>
               <a:t>Third level</a:t>
             </a:r>
+            <a:endParaRPr lang="en-US"/>
           </a:p>
           <a:p>
             <a:pPr lvl="3"/>
@@ -7791,6 +7733,7 @@
               <a:rPr lang="en-US"/>
               <a:t>Fourth level</a:t>
             </a:r>
+            <a:endParaRPr lang="en-US"/>
           </a:p>
           <a:p>
             <a:pPr lvl="4"/>
@@ -7819,7 +7762,6 @@
           <a:p>
             <a:fld id="{48A87A34-81AB-432B-8DAE-1953F412C126}" type="datetimeFigureOut">
               <a:rPr lang="en-US" smtClean="0"/>
-              <a:t>4/5/2019</a:t>
             </a:fld>
             <a:endParaRPr lang="en-US" dirty="0"/>
           </a:p>
@@ -7897,18 +7839,12 @@
           <a:p>
             <a:fld id="{6D22F896-40B5-4ADD-8801-0D06FADFA095}" type="slidenum">
               <a:rPr lang="en-US" smtClean="0"/>
-              <a:t>‹#›</a:t>
             </a:fld>
             <a:endParaRPr lang="en-US" dirty="0"/>
           </a:p>
         </p:txBody>
       </p:sp>
     </p:spTree>
-    <p:extLst>
-      <p:ext uri="{BB962C8B-B14F-4D97-AF65-F5344CB8AC3E}">
-        <p14:creationId xmlns:p14="http://schemas.microsoft.com/office/powerpoint/2010/main" val="2406643211"/>
-      </p:ext>
-    </p:extLst>
   </p:cSld>
   <p:clrMapOvr>
     <a:masterClrMapping/>
@@ -7976,6 +7912,7 @@
               <a:rPr lang="en-US"/>
               <a:t>Edit Master text styles</a:t>
             </a:r>
+            <a:endParaRPr lang="en-US"/>
           </a:p>
           <a:p>
             <a:pPr lvl="1"/>
@@ -7983,6 +7920,7 @@
               <a:rPr lang="en-US"/>
               <a:t>Second level</a:t>
             </a:r>
+            <a:endParaRPr lang="en-US"/>
           </a:p>
           <a:p>
             <a:pPr lvl="2"/>
@@ -7990,6 +7928,7 @@
               <a:rPr lang="en-US"/>
               <a:t>Third level</a:t>
             </a:r>
+            <a:endParaRPr lang="en-US"/>
           </a:p>
           <a:p>
             <a:pPr lvl="3"/>
@@ -7997,6 +7936,7 @@
               <a:rPr lang="en-US"/>
               <a:t>Fourth level</a:t>
             </a:r>
+            <a:endParaRPr lang="en-US"/>
           </a:p>
           <a:p>
             <a:pPr lvl="4"/>
@@ -8025,7 +7965,6 @@
           <a:p>
             <a:fld id="{48A87A34-81AB-432B-8DAE-1953F412C126}" type="datetimeFigureOut">
               <a:rPr lang="en-US" smtClean="0"/>
-              <a:t>4/5/2019</a:t>
             </a:fld>
             <a:endParaRPr lang="en-US" dirty="0"/>
           </a:p>
@@ -8067,18 +8006,12 @@
           <a:p>
             <a:fld id="{6D22F896-40B5-4ADD-8801-0D06FADFA095}" type="slidenum">
               <a:rPr lang="en-US" smtClean="0"/>
-              <a:t>‹#›</a:t>
             </a:fld>
             <a:endParaRPr lang="en-US" dirty="0"/>
           </a:p>
         </p:txBody>
       </p:sp>
     </p:spTree>
-    <p:extLst>
-      <p:ext uri="{BB962C8B-B14F-4D97-AF65-F5344CB8AC3E}">
-        <p14:creationId xmlns:p14="http://schemas.microsoft.com/office/powerpoint/2010/main" val="1883952020"/>
-      </p:ext>
-    </p:extLst>
   </p:cSld>
   <p:clrMapOvr>
     <a:masterClrMapping/>
@@ -8087,7 +8020,7 @@
 </file>
 
 <file path=ppt/slideLayouts/slideLayout3.xml><?xml version="1.0" encoding="utf-8"?>
-<p:sldLayout xmlns:a="http://schemas.openxmlformats.org/drawingml/2006/main" xmlns:r="http://schemas.openxmlformats.org/officeDocument/2006/relationships" xmlns:p="http://schemas.openxmlformats.org/presentationml/2006/main" showMasterSp="0" type="secHead" preserve="1">
+<p:sldLayout xmlns:a="http://schemas.openxmlformats.org/drawingml/2006/main" xmlns:r="http://schemas.openxmlformats.org/officeDocument/2006/relationships" xmlns:p="http://schemas.openxmlformats.org/presentationml/2006/main" type="secHead" preserve="1" showMasterSp="0">
   <p:cSld name="Section Header">
     <p:spTree>
       <p:nvGrpSpPr>
@@ -9067,6 +9000,7 @@
               <a:rPr lang="en-US"/>
               <a:t>Edit Master text styles</a:t>
             </a:r>
+            <a:endParaRPr lang="en-US"/>
           </a:p>
         </p:txBody>
       </p:sp>
@@ -9087,7 +9021,6 @@
           <a:p>
             <a:fld id="{48A87A34-81AB-432B-8DAE-1953F412C126}" type="datetimeFigureOut">
               <a:rPr lang="en-US" smtClean="0"/>
-              <a:t>4/5/2019</a:t>
             </a:fld>
             <a:endParaRPr lang="en-US" dirty="0"/>
           </a:p>
@@ -9165,18 +9098,12 @@
           <a:p>
             <a:fld id="{6D22F896-40B5-4ADD-8801-0D06FADFA095}" type="slidenum">
               <a:rPr lang="en-US" smtClean="0"/>
-              <a:t>‹#›</a:t>
             </a:fld>
             <a:endParaRPr lang="en-US" dirty="0"/>
           </a:p>
         </p:txBody>
       </p:sp>
     </p:spTree>
-    <p:extLst>
-      <p:ext uri="{BB962C8B-B14F-4D97-AF65-F5344CB8AC3E}">
-        <p14:creationId xmlns:p14="http://schemas.microsoft.com/office/powerpoint/2010/main" val="2671313681"/>
-      </p:ext>
-    </p:extLst>
   </p:cSld>
   <p:clrMapOvr>
     <a:masterClrMapping/>
@@ -9251,6 +9178,7 @@
               <a:rPr lang="en-US"/>
               <a:t>Edit Master text styles</a:t>
             </a:r>
+            <a:endParaRPr lang="en-US"/>
           </a:p>
           <a:p>
             <a:pPr lvl="1"/>
@@ -9258,6 +9186,7 @@
               <a:rPr lang="en-US"/>
               <a:t>Second level</a:t>
             </a:r>
+            <a:endParaRPr lang="en-US"/>
           </a:p>
           <a:p>
             <a:pPr lvl="2"/>
@@ -9265,6 +9194,7 @@
               <a:rPr lang="en-US"/>
               <a:t>Third level</a:t>
             </a:r>
+            <a:endParaRPr lang="en-US"/>
           </a:p>
           <a:p>
             <a:pPr lvl="3"/>
@@ -9272,6 +9202,7 @@
               <a:rPr lang="en-US"/>
               <a:t>Fourth level</a:t>
             </a:r>
+            <a:endParaRPr lang="en-US"/>
           </a:p>
           <a:p>
             <a:pPr lvl="4"/>
@@ -9310,6 +9241,7 @@
               <a:rPr lang="en-US"/>
               <a:t>Edit Master text styles</a:t>
             </a:r>
+            <a:endParaRPr lang="en-US"/>
           </a:p>
           <a:p>
             <a:pPr lvl="1"/>
@@ -9317,6 +9249,7 @@
               <a:rPr lang="en-US"/>
               <a:t>Second level</a:t>
             </a:r>
+            <a:endParaRPr lang="en-US"/>
           </a:p>
           <a:p>
             <a:pPr lvl="2"/>
@@ -9324,6 +9257,7 @@
               <a:rPr lang="en-US"/>
               <a:t>Third level</a:t>
             </a:r>
+            <a:endParaRPr lang="en-US"/>
           </a:p>
           <a:p>
             <a:pPr lvl="3"/>
@@ -9331,6 +9265,7 @@
               <a:rPr lang="en-US"/>
               <a:t>Fourth level</a:t>
             </a:r>
+            <a:endParaRPr lang="en-US"/>
           </a:p>
           <a:p>
             <a:pPr lvl="4"/>
@@ -9359,7 +9294,6 @@
           <a:p>
             <a:fld id="{48A87A34-81AB-432B-8DAE-1953F412C126}" type="datetimeFigureOut">
               <a:rPr lang="en-US" smtClean="0"/>
-              <a:t>4/5/2019</a:t>
             </a:fld>
             <a:endParaRPr lang="en-US" dirty="0"/>
           </a:p>
@@ -9401,27 +9335,16 @@
           <a:p>
             <a:fld id="{6D22F896-40B5-4ADD-8801-0D06FADFA095}" type="slidenum">
               <a:rPr lang="en-US" smtClean="0"/>
-              <a:t>‹#›</a:t>
             </a:fld>
             <a:endParaRPr lang="en-US" dirty="0"/>
           </a:p>
         </p:txBody>
       </p:sp>
     </p:spTree>
-    <p:extLst>
-      <p:ext uri="{BB962C8B-B14F-4D97-AF65-F5344CB8AC3E}">
-        <p14:creationId xmlns:p14="http://schemas.microsoft.com/office/powerpoint/2010/main" val="1729892428"/>
-      </p:ext>
-    </p:extLst>
   </p:cSld>
   <p:clrMapOvr>
     <a:masterClrMapping/>
   </p:clrMapOvr>
-  <p:extLst>
-    <p:ext uri="{DCECCB84-F9BA-43D5-87BE-67443E8EF086}">
-      <p15:sldGuideLst xmlns:p15="http://schemas.microsoft.com/office/powerpoint/2012/main"/>
-    </p:ext>
-  </p:extLst>
 </p:sldLayout>
 </file>
 
@@ -9537,6 +9460,7 @@
               <a:rPr lang="en-US"/>
               <a:t>Edit Master text styles</a:t>
             </a:r>
+            <a:endParaRPr lang="en-US"/>
           </a:p>
         </p:txBody>
       </p:sp>
@@ -9567,6 +9491,7 @@
               <a:rPr lang="en-US"/>
               <a:t>Edit Master text styles</a:t>
             </a:r>
+            <a:endParaRPr lang="en-US"/>
           </a:p>
           <a:p>
             <a:pPr lvl="1"/>
@@ -9574,6 +9499,7 @@
               <a:rPr lang="en-US"/>
               <a:t>Second level</a:t>
             </a:r>
+            <a:endParaRPr lang="en-US"/>
           </a:p>
           <a:p>
             <a:pPr lvl="2"/>
@@ -9581,6 +9507,7 @@
               <a:rPr lang="en-US"/>
               <a:t>Third level</a:t>
             </a:r>
+            <a:endParaRPr lang="en-US"/>
           </a:p>
           <a:p>
             <a:pPr lvl="3"/>
@@ -9588,6 +9515,7 @@
               <a:rPr lang="en-US"/>
               <a:t>Fourth level</a:t>
             </a:r>
+            <a:endParaRPr lang="en-US"/>
           </a:p>
           <a:p>
             <a:pPr lvl="4"/>
@@ -9667,6 +9595,7 @@
               <a:rPr lang="en-US"/>
               <a:t>Edit Master text styles</a:t>
             </a:r>
+            <a:endParaRPr lang="en-US"/>
           </a:p>
         </p:txBody>
       </p:sp>
@@ -9697,6 +9626,7 @@
               <a:rPr lang="en-US"/>
               <a:t>Edit Master text styles</a:t>
             </a:r>
+            <a:endParaRPr lang="en-US"/>
           </a:p>
           <a:p>
             <a:pPr lvl="1"/>
@@ -9704,6 +9634,7 @@
               <a:rPr lang="en-US"/>
               <a:t>Second level</a:t>
             </a:r>
+            <a:endParaRPr lang="en-US"/>
           </a:p>
           <a:p>
             <a:pPr lvl="2"/>
@@ -9711,6 +9642,7 @@
               <a:rPr lang="en-US"/>
               <a:t>Third level</a:t>
             </a:r>
+            <a:endParaRPr lang="en-US"/>
           </a:p>
           <a:p>
             <a:pPr lvl="3"/>
@@ -9718,6 +9650,7 @@
               <a:rPr lang="en-US"/>
               <a:t>Fourth level</a:t>
             </a:r>
+            <a:endParaRPr lang="en-US"/>
           </a:p>
           <a:p>
             <a:pPr lvl="4"/>
@@ -9746,7 +9679,6 @@
           <a:p>
             <a:fld id="{48A87A34-81AB-432B-8DAE-1953F412C126}" type="datetimeFigureOut">
               <a:rPr lang="en-US" smtClean="0"/>
-              <a:t>4/5/2019</a:t>
             </a:fld>
             <a:endParaRPr lang="en-US" dirty="0"/>
           </a:p>
@@ -9788,27 +9720,16 @@
           <a:p>
             <a:fld id="{6D22F896-40B5-4ADD-8801-0D06FADFA095}" type="slidenum">
               <a:rPr lang="en-US" smtClean="0"/>
-              <a:t>‹#›</a:t>
             </a:fld>
             <a:endParaRPr lang="en-US" dirty="0"/>
           </a:p>
         </p:txBody>
       </p:sp>
     </p:spTree>
-    <p:extLst>
-      <p:ext uri="{BB962C8B-B14F-4D97-AF65-F5344CB8AC3E}">
-        <p14:creationId xmlns:p14="http://schemas.microsoft.com/office/powerpoint/2010/main" val="970442138"/>
-      </p:ext>
-    </p:extLst>
   </p:cSld>
   <p:clrMapOvr>
     <a:masterClrMapping/>
   </p:clrMapOvr>
-  <p:extLst>
-    <p:ext uri="{DCECCB84-F9BA-43D5-87BE-67443E8EF086}">
-      <p15:sldGuideLst xmlns:p15="http://schemas.microsoft.com/office/powerpoint/2012/main"/>
-    </p:ext>
-  </p:extLst>
 </p:sldLayout>
 </file>
 
@@ -9869,7 +9790,6 @@
           <a:p>
             <a:fld id="{48A87A34-81AB-432B-8DAE-1953F412C126}" type="datetimeFigureOut">
               <a:rPr lang="en-US" smtClean="0"/>
-              <a:t>4/5/2019</a:t>
             </a:fld>
             <a:endParaRPr lang="en-US" dirty="0"/>
           </a:p>
@@ -9911,18 +9831,12 @@
           <a:p>
             <a:fld id="{6D22F896-40B5-4ADD-8801-0D06FADFA095}" type="slidenum">
               <a:rPr lang="en-US" smtClean="0"/>
-              <a:t>‹#›</a:t>
             </a:fld>
             <a:endParaRPr lang="en-US" dirty="0"/>
           </a:p>
         </p:txBody>
       </p:sp>
     </p:spTree>
-    <p:extLst>
-      <p:ext uri="{BB962C8B-B14F-4D97-AF65-F5344CB8AC3E}">
-        <p14:creationId xmlns:p14="http://schemas.microsoft.com/office/powerpoint/2010/main" val="3284153884"/>
-      </p:ext>
-    </p:extLst>
   </p:cSld>
   <p:clrMapOvr>
     <a:masterClrMapping/>
@@ -9931,7 +9845,7 @@
 </file>
 
 <file path=ppt/slideLayouts/slideLayout7.xml><?xml version="1.0" encoding="utf-8"?>
-<p:sldLayout xmlns:a="http://schemas.openxmlformats.org/drawingml/2006/main" xmlns:r="http://schemas.openxmlformats.org/officeDocument/2006/relationships" xmlns:p="http://schemas.openxmlformats.org/presentationml/2006/main" showMasterSp="0" type="blank" preserve="1">
+<p:sldLayout xmlns:a="http://schemas.openxmlformats.org/drawingml/2006/main" xmlns:r="http://schemas.openxmlformats.org/officeDocument/2006/relationships" xmlns:p="http://schemas.openxmlformats.org/presentationml/2006/main" type="blank" preserve="1" showMasterSp="0">
   <p:cSld name="Blank">
     <p:spTree>
       <p:nvGrpSpPr>
@@ -9964,7 +9878,6 @@
           <a:p>
             <a:fld id="{48A87A34-81AB-432B-8DAE-1953F412C126}" type="datetimeFigureOut">
               <a:rPr lang="en-US" smtClean="0"/>
-              <a:t>4/5/2019</a:t>
             </a:fld>
             <a:endParaRPr lang="en-US" dirty="0"/>
           </a:p>
@@ -10042,18 +9955,12 @@
           <a:p>
             <a:fld id="{6D22F896-40B5-4ADD-8801-0D06FADFA095}" type="slidenum">
               <a:rPr lang="en-US" smtClean="0"/>
-              <a:t>‹#›</a:t>
             </a:fld>
             <a:endParaRPr lang="en-US" dirty="0"/>
           </a:p>
         </p:txBody>
       </p:sp>
     </p:spTree>
-    <p:extLst>
-      <p:ext uri="{BB962C8B-B14F-4D97-AF65-F5344CB8AC3E}">
-        <p14:creationId xmlns:p14="http://schemas.microsoft.com/office/powerpoint/2010/main" val="3671611205"/>
-      </p:ext>
-    </p:extLst>
   </p:cSld>
   <p:clrMapOvr>
     <a:masterClrMapping/>
@@ -10062,7 +9969,7 @@
 </file>
 
 <file path=ppt/slideLayouts/slideLayout8.xml><?xml version="1.0" encoding="utf-8"?>
-<p:sldLayout xmlns:a="http://schemas.openxmlformats.org/drawingml/2006/main" xmlns:r="http://schemas.openxmlformats.org/officeDocument/2006/relationships" xmlns:p="http://schemas.openxmlformats.org/presentationml/2006/main" showMasterSp="0" type="objTx" preserve="1">
+<p:sldLayout xmlns:a="http://schemas.openxmlformats.org/drawingml/2006/main" xmlns:r="http://schemas.openxmlformats.org/officeDocument/2006/relationships" xmlns:p="http://schemas.openxmlformats.org/presentationml/2006/main" type="objTx" preserve="1" showMasterSp="0">
   <p:cSld name="Content with Caption">
     <p:spTree>
       <p:nvGrpSpPr>
@@ -10955,6 +10862,7 @@
               <a:rPr lang="en-US"/>
               <a:t>Edit Master text styles</a:t>
             </a:r>
+            <a:endParaRPr lang="en-US"/>
           </a:p>
           <a:p>
             <a:pPr lvl="1"/>
@@ -10962,6 +10870,7 @@
               <a:rPr lang="en-US"/>
               <a:t>Second level</a:t>
             </a:r>
+            <a:endParaRPr lang="en-US"/>
           </a:p>
           <a:p>
             <a:pPr lvl="2"/>
@@ -10969,6 +10878,7 @@
               <a:rPr lang="en-US"/>
               <a:t>Third level</a:t>
             </a:r>
+            <a:endParaRPr lang="en-US"/>
           </a:p>
           <a:p>
             <a:pPr lvl="3"/>
@@ -10976,6 +10886,7 @@
               <a:rPr lang="en-US"/>
               <a:t>Fourth level</a:t>
             </a:r>
+            <a:endParaRPr lang="en-US"/>
           </a:p>
           <a:p>
             <a:pPr lvl="4"/>
@@ -11053,6 +10964,7 @@
               <a:rPr lang="en-US"/>
               <a:t>Edit Master text styles</a:t>
             </a:r>
+            <a:endParaRPr lang="en-US"/>
           </a:p>
         </p:txBody>
       </p:sp>
@@ -11073,7 +10985,6 @@
           <a:p>
             <a:fld id="{48A87A34-81AB-432B-8DAE-1953F412C126}" type="datetimeFigureOut">
               <a:rPr lang="en-US" smtClean="0"/>
-              <a:t>4/5/2019</a:t>
             </a:fld>
             <a:endParaRPr lang="en-US" dirty="0"/>
           </a:p>
@@ -11151,32 +11062,21 @@
           <a:p>
             <a:fld id="{6D22F896-40B5-4ADD-8801-0D06FADFA095}" type="slidenum">
               <a:rPr lang="en-US" smtClean="0"/>
-              <a:t>‹#›</a:t>
             </a:fld>
             <a:endParaRPr lang="en-US" dirty="0"/>
           </a:p>
         </p:txBody>
       </p:sp>
     </p:spTree>
-    <p:extLst>
-      <p:ext uri="{BB962C8B-B14F-4D97-AF65-F5344CB8AC3E}">
-        <p14:creationId xmlns:p14="http://schemas.microsoft.com/office/powerpoint/2010/main" val="1211395444"/>
-      </p:ext>
-    </p:extLst>
   </p:cSld>
   <p:clrMapOvr>
     <a:masterClrMapping/>
   </p:clrMapOvr>
-  <p:extLst>
-    <p:ext uri="{DCECCB84-F9BA-43D5-87BE-67443E8EF086}">
-      <p15:sldGuideLst xmlns:p15="http://schemas.microsoft.com/office/powerpoint/2012/main"/>
-    </p:ext>
-  </p:extLst>
 </p:sldLayout>
 </file>
 
 <file path=ppt/slideLayouts/slideLayout9.xml><?xml version="1.0" encoding="utf-8"?>
-<p:sldLayout xmlns:a="http://schemas.openxmlformats.org/drawingml/2006/main" xmlns:r="http://schemas.openxmlformats.org/officeDocument/2006/relationships" xmlns:p="http://schemas.openxmlformats.org/presentationml/2006/main" showMasterSp="0" type="picTx" preserve="1">
+<p:sldLayout xmlns:a="http://schemas.openxmlformats.org/drawingml/2006/main" xmlns:r="http://schemas.openxmlformats.org/officeDocument/2006/relationships" xmlns:p="http://schemas.openxmlformats.org/presentationml/2006/main" type="picTx" preserve="1" showMasterSp="0">
   <p:cSld name="Picture with Caption">
     <p:spTree>
       <p:nvGrpSpPr>
@@ -12191,6 +12091,7 @@
               <a:rPr lang="en-US"/>
               <a:t>Edit Master text styles</a:t>
             </a:r>
+            <a:endParaRPr lang="en-US"/>
           </a:p>
         </p:txBody>
       </p:sp>
@@ -12211,7 +12112,6 @@
           <a:p>
             <a:fld id="{48A87A34-81AB-432B-8DAE-1953F412C126}" type="datetimeFigureOut">
               <a:rPr lang="en-US" smtClean="0"/>
-              <a:t>4/5/2019</a:t>
             </a:fld>
             <a:endParaRPr lang="en-US" dirty="0"/>
           </a:p>
@@ -12289,18 +12189,12 @@
           <a:p>
             <a:fld id="{6D22F896-40B5-4ADD-8801-0D06FADFA095}" type="slidenum">
               <a:rPr lang="en-US" smtClean="0"/>
-              <a:t>‹#›</a:t>
             </a:fld>
             <a:endParaRPr lang="en-US" dirty="0"/>
           </a:p>
         </p:txBody>
       </p:sp>
     </p:spTree>
-    <p:extLst>
-      <p:ext uri="{BB962C8B-B14F-4D97-AF65-F5344CB8AC3E}">
-        <p14:creationId xmlns:p14="http://schemas.microsoft.com/office/powerpoint/2010/main" val="765732950"/>
-      </p:ext>
-    </p:extLst>
   </p:cSld>
   <p:clrMapOvr>
     <a:masterClrMapping/>
@@ -12359,7 +12253,7 @@
               <a:avLst/>
             </a:prstGeom>
             <a:blipFill>
-              <a:blip r:embed="rId19">
+              <a:blip r:embed="rId18">
                 <a:duotone>
                   <a:schemeClr val="dk2">
                     <a:shade val="62000"/>
@@ -13174,6 +13068,7 @@
               <a:rPr lang="en-US"/>
               <a:t>Edit Master text styles</a:t>
             </a:r>
+            <a:endParaRPr lang="en-US"/>
           </a:p>
           <a:p>
             <a:pPr lvl="1"/>
@@ -13181,6 +13076,7 @@
               <a:rPr lang="en-US"/>
               <a:t>Second level</a:t>
             </a:r>
+            <a:endParaRPr lang="en-US"/>
           </a:p>
           <a:p>
             <a:pPr lvl="2"/>
@@ -13188,6 +13084,7 @@
               <a:rPr lang="en-US"/>
               <a:t>Third level</a:t>
             </a:r>
+            <a:endParaRPr lang="en-US"/>
           </a:p>
           <a:p>
             <a:pPr lvl="3"/>
@@ -13195,6 +13092,7 @@
               <a:rPr lang="en-US"/>
               <a:t>Fourth level</a:t>
             </a:r>
+            <a:endParaRPr lang="en-US"/>
           </a:p>
           <a:p>
             <a:pPr lvl="4"/>
@@ -13239,8 +13137,6 @@
           <a:p>
             <a:fld id="{48A87A34-81AB-432B-8DAE-1953F412C126}" type="datetimeFigureOut">
               <a:rPr lang="en-US" smtClean="0"/>
-              <a:pPr/>
-              <a:t>4/5/2019</a:t>
             </a:fld>
             <a:endParaRPr lang="en-US" dirty="0"/>
           </a:p>
@@ -13352,39 +13248,32 @@
           <a:p>
             <a:fld id="{6D22F896-40B5-4ADD-8801-0D06FADFA095}" type="slidenum">
               <a:rPr lang="en-US" smtClean="0"/>
-              <a:pPr/>
-              <a:t>‹#›</a:t>
             </a:fld>
             <a:endParaRPr lang="en-US" dirty="0"/>
           </a:p>
         </p:txBody>
       </p:sp>
     </p:spTree>
-    <p:extLst>
-      <p:ext uri="{BB962C8B-B14F-4D97-AF65-F5344CB8AC3E}">
-        <p14:creationId xmlns:p14="http://schemas.microsoft.com/office/powerpoint/2010/main" val="3944041042"/>
-      </p:ext>
-    </p:extLst>
   </p:cSld>
   <p:clrMap bg1="lt1" tx1="dk1" bg2="lt2" tx2="dk2" accent1="accent1" accent2="accent2" accent3="accent3" accent4="accent4" accent5="accent5" accent6="accent6" hlink="hlink" folHlink="folHlink"/>
   <p:sldLayoutIdLst>
-    <p:sldLayoutId id="2147484247" r:id="rId1"/>
-    <p:sldLayoutId id="2147484248" r:id="rId2"/>
-    <p:sldLayoutId id="2147484249" r:id="rId3"/>
-    <p:sldLayoutId id="2147484250" r:id="rId4"/>
-    <p:sldLayoutId id="2147484251" r:id="rId5"/>
-    <p:sldLayoutId id="2147484252" r:id="rId6"/>
-    <p:sldLayoutId id="2147484253" r:id="rId7"/>
-    <p:sldLayoutId id="2147484254" r:id="rId8"/>
-    <p:sldLayoutId id="2147484255" r:id="rId9"/>
-    <p:sldLayoutId id="2147484256" r:id="rId10"/>
-    <p:sldLayoutId id="2147484257" r:id="rId11"/>
-    <p:sldLayoutId id="2147484258" r:id="rId12"/>
-    <p:sldLayoutId id="2147484259" r:id="rId13"/>
-    <p:sldLayoutId id="2147484260" r:id="rId14"/>
-    <p:sldLayoutId id="2147484261" r:id="rId15"/>
-    <p:sldLayoutId id="2147484262" r:id="rId16"/>
-    <p:sldLayoutId id="2147484263" r:id="rId17"/>
+    <p:sldLayoutId id="2147483649" r:id="rId1"/>
+    <p:sldLayoutId id="2147483650" r:id="rId2"/>
+    <p:sldLayoutId id="2147483651" r:id="rId3"/>
+    <p:sldLayoutId id="2147483652" r:id="rId4"/>
+    <p:sldLayoutId id="2147483653" r:id="rId5"/>
+    <p:sldLayoutId id="2147483654" r:id="rId6"/>
+    <p:sldLayoutId id="2147483655" r:id="rId7"/>
+    <p:sldLayoutId id="2147483656" r:id="rId8"/>
+    <p:sldLayoutId id="2147483657" r:id="rId9"/>
+    <p:sldLayoutId id="2147483658" r:id="rId10"/>
+    <p:sldLayoutId id="2147483659" r:id="rId11"/>
+    <p:sldLayoutId id="2147483660" r:id="rId12"/>
+    <p:sldLayoutId id="2147483661" r:id="rId13"/>
+    <p:sldLayoutId id="2147483662" r:id="rId14"/>
+    <p:sldLayoutId id="2147483663" r:id="rId15"/>
+    <p:sldLayoutId id="2147483664" r:id="rId16"/>
+    <p:sldLayoutId id="2147483665" r:id="rId17"/>
   </p:sldLayoutIdLst>
   <p:txStyles>
     <p:titleStyle>
@@ -13782,11 +13671,6 @@
       </a:lvl9pPr>
     </p:otherStyle>
   </p:txStyles>
-  <p:extLst>
-    <p:ext uri="{27BBF7A9-308A-43DC-89C8-2F10F3537804}">
-      <p15:sldGuideLst xmlns:p15="http://schemas.microsoft.com/office/powerpoint/2012/main"/>
-    </p:ext>
-  </p:extLst>
 </p:sldMaster>
 </file>
 
@@ -13876,6 +13760,7 @@
               <a:rPr lang="en-GB" sz="2000" dirty="0"/>
               <a:t>Members:</a:t>
             </a:r>
+            <a:endParaRPr lang="en-GB" sz="2000" dirty="0"/>
           </a:p>
           <a:p>
             <a:r>
@@ -13890,6 +13775,7 @@
               <a:rPr lang="en-GB" sz="2000" dirty="0"/>
               <a:t> Mahmood</a:t>
             </a:r>
+            <a:endParaRPr lang="en-GB" sz="2000" dirty="0"/>
           </a:p>
           <a:p>
             <a:pPr algn="l"/>
@@ -13897,6 +13783,7 @@
               <a:rPr lang="en-GB" sz="2000" dirty="0"/>
               <a:t>Hasan ALI</a:t>
             </a:r>
+            <a:endParaRPr lang="en-GB" sz="2000" dirty="0"/>
           </a:p>
           <a:p>
             <a:r>
@@ -13918,6 +13805,7 @@
               <a:rPr lang="en-GB" sz="2000" dirty="0"/>
               <a:t>Mohammed Jumail Hussain</a:t>
             </a:r>
+            <a:endParaRPr lang="en-GB" sz="2000" dirty="0"/>
           </a:p>
           <a:p>
             <a:r>
@@ -13928,15 +13816,11 @@
               <a:rPr lang="en-GB" sz="2000" dirty="0"/>
               <a:t> Zhang</a:t>
             </a:r>
+            <a:endParaRPr lang="en-GB" sz="2000" dirty="0"/>
           </a:p>
         </p:txBody>
       </p:sp>
     </p:spTree>
-    <p:extLst>
-      <p:ext uri="{BB962C8B-B14F-4D97-AF65-F5344CB8AC3E}">
-        <p14:creationId xmlns:p14="http://schemas.microsoft.com/office/powerpoint/2010/main" val="771884207"/>
-      </p:ext>
-    </p:extLst>
   </p:cSld>
   <p:clrMapOvr>
     <a:masterClrMapping/>
@@ -13980,6 +13864,7 @@
               <a:rPr lang="en-GB" dirty="0"/>
               <a:t>Evidence of Group Work</a:t>
             </a:r>
+            <a:endParaRPr lang="en-GB" dirty="0"/>
           </a:p>
         </p:txBody>
       </p:sp>
@@ -14004,6 +13889,7 @@
               <a:rPr lang="en-GB" sz="2000" dirty="0"/>
               <a:t>A WhatsApp group chat was created to discuss the timing and location of our meetings, which was confirmed to be 12-1 on Thursday and Friday. We had a couple meetings and in each we discussed the strategies, the implementation and anything else that was on our mind.</a:t>
             </a:r>
+            <a:endParaRPr lang="en-GB" sz="2000" dirty="0"/>
           </a:p>
           <a:p>
             <a:r>
@@ -14018,15 +13904,11 @@
               <a:rPr lang="en-GB" sz="2000" dirty="0"/>
               <a:t> meeting as a team, a GitHub Repository was set up so we could upload all our individual work and work on another members tasks if we had completed our own, this helped us complete the work on time for the deadline and also gave us time to improve.</a:t>
             </a:r>
+            <a:endParaRPr lang="en-GB" sz="2000" dirty="0"/>
           </a:p>
         </p:txBody>
       </p:sp>
     </p:spTree>
-    <p:extLst>
-      <p:ext uri="{BB962C8B-B14F-4D97-AF65-F5344CB8AC3E}">
-        <p14:creationId xmlns:p14="http://schemas.microsoft.com/office/powerpoint/2010/main" val="3263706123"/>
-      </p:ext>
-    </p:extLst>
   </p:cSld>
   <p:clrMapOvr>
     <a:masterClrMapping/>
@@ -14070,15 +13952,11 @@
               <a:rPr lang="en-GB" dirty="0"/>
               <a:t>Questions?</a:t>
             </a:r>
+            <a:endParaRPr lang="en-GB" dirty="0"/>
           </a:p>
         </p:txBody>
       </p:sp>
     </p:spTree>
-    <p:extLst>
-      <p:ext uri="{BB962C8B-B14F-4D97-AF65-F5344CB8AC3E}">
-        <p14:creationId xmlns:p14="http://schemas.microsoft.com/office/powerpoint/2010/main" val="634152313"/>
-      </p:ext>
-    </p:extLst>
   </p:cSld>
   <p:clrMapOvr>
     <a:masterClrMapping/>
@@ -14122,6 +14000,7 @@
               <a:rPr lang="en-GB" dirty="0"/>
               <a:t>Roles:</a:t>
             </a:r>
+            <a:endParaRPr lang="en-GB" dirty="0"/>
           </a:p>
         </p:txBody>
       </p:sp>
@@ -14154,12 +14033,14 @@
               <a:rPr lang="en-GB" sz="2000" dirty="0"/>
               <a:t> Zhang</a:t>
             </a:r>
+            <a:endParaRPr lang="en-GB" sz="2000" dirty="0"/>
           </a:p>
           <a:p>
             <a:r>
               <a:rPr lang="en-GB" sz="2000" dirty="0"/>
               <a:t>Iterative Deepening: Mohammed Jumail Hussain</a:t>
             </a:r>
+            <a:endParaRPr lang="en-GB" sz="2000" dirty="0"/>
           </a:p>
           <a:p>
             <a:r>
@@ -14191,11 +14072,6 @@
         </p:txBody>
       </p:sp>
     </p:spTree>
-    <p:extLst>
-      <p:ext uri="{BB962C8B-B14F-4D97-AF65-F5344CB8AC3E}">
-        <p14:creationId xmlns:p14="http://schemas.microsoft.com/office/powerpoint/2010/main" val="3743639668"/>
-      </p:ext>
-    </p:extLst>
   </p:cSld>
   <p:clrMapOvr>
     <a:masterClrMapping/>
@@ -14269,15 +14145,11 @@
               <a:rPr lang="en-GB" sz="2000" dirty="0"/>
               <a:t>Iterative deepening depth-first search is a state space/graph searching strategy in which a limited version of the DFS is run over and over again while increasing the depth limits until the eventual goal is found.</a:t>
             </a:r>
+            <a:endParaRPr lang="en-GB" sz="2000" dirty="0"/>
           </a:p>
         </p:txBody>
       </p:sp>
     </p:spTree>
-    <p:extLst>
-      <p:ext uri="{BB962C8B-B14F-4D97-AF65-F5344CB8AC3E}">
-        <p14:creationId xmlns:p14="http://schemas.microsoft.com/office/powerpoint/2010/main" val="3946140723"/>
-      </p:ext>
-    </p:extLst>
   </p:cSld>
   <p:clrMapOvr>
     <a:masterClrMapping/>
@@ -14337,7 +14209,7 @@
           <p:nvPr/>
         </p:nvPicPr>
         <p:blipFill>
-          <a:blip r:embed="rId2" cstate="print">
+          <a:blip r:embed="rId1" cstate="print">
             <a:extLst>
               <a:ext uri="{28A0092B-C50C-407E-A947-70E740481C1C}">
                 <a14:useLocalDpi xmlns:a14="http://schemas.microsoft.com/office/drawing/2010/main" val="0"/>
@@ -14365,7 +14237,7 @@
           <p:nvPr/>
         </p:nvPicPr>
         <p:blipFill rotWithShape="1">
-          <a:blip r:embed="rId3" cstate="print">
+          <a:blip r:embed="rId2" cstate="print">
             <a:extLst>
               <a:ext uri="{28A0092B-C50C-407E-A947-70E740481C1C}">
                 <a14:useLocalDpi xmlns:a14="http://schemas.microsoft.com/office/drawing/2010/main" val="0"/>
@@ -14373,7 +14245,9 @@
             </a:extLst>
           </a:blip>
           <a:srcRect b="68012"/>
-          <a:stretch/>
+          <a:stretch>
+            <a:fillRect/>
+          </a:stretch>
         </p:blipFill>
         <p:spPr bwMode="auto">
           <a:xfrm>
@@ -14386,11 +14260,6 @@
           <a:ln>
             <a:noFill/>
           </a:ln>
-          <a:extLst>
-            <a:ext uri="{53640926-AAD7-44D8-BBD7-CCE9431645EC}">
-              <a14:shadowObscured xmlns:a14="http://schemas.microsoft.com/office/drawing/2010/main"/>
-            </a:ext>
-          </a:extLst>
         </p:spPr>
       </p:pic>
       <p:pic>
@@ -14402,7 +14271,7 @@
           <p:nvPr/>
         </p:nvPicPr>
         <p:blipFill>
-          <a:blip r:embed="rId4"/>
+          <a:blip r:embed="rId3"/>
           <a:stretch>
             <a:fillRect/>
           </a:stretch>
@@ -14423,11 +14292,6 @@
         </p:spPr>
       </p:pic>
     </p:spTree>
-    <p:extLst>
-      <p:ext uri="{BB962C8B-B14F-4D97-AF65-F5344CB8AC3E}">
-        <p14:creationId xmlns:p14="http://schemas.microsoft.com/office/powerpoint/2010/main" val="3083272600"/>
-      </p:ext>
-    </p:extLst>
   </p:cSld>
   <p:clrMapOvr>
     <a:masterClrMapping/>
@@ -14471,6 +14335,7 @@
               <a:rPr lang="en-GB" dirty="0"/>
               <a:t>Uniform Cost: Explanation</a:t>
             </a:r>
+            <a:endParaRPr lang="en-GB" dirty="0"/>
           </a:p>
         </p:txBody>
       </p:sp>
@@ -14495,6 +14360,7 @@
               <a:rPr lang="en-GB" sz="2000" dirty="0"/>
               <a:t>Uniform Cost Search is the best algorithm for a search problem, which does not involve the use of heuristics. It can solve any general graph for optimal cost. It uses priority queues such as DFS and BFS which means it does not work through layers, but it works through nodes using the above searching algorithms. In simple terms, it doesn’t look through all nodes, it just chooses the shortest path every time.</a:t>
             </a:r>
+            <a:endParaRPr lang="en-GB" sz="2000" dirty="0"/>
           </a:p>
           <a:p>
             <a:endParaRPr lang="en-GB" dirty="0"/>
@@ -14505,11 +14371,6 @@
         </p:txBody>
       </p:sp>
     </p:spTree>
-    <p:extLst>
-      <p:ext uri="{BB962C8B-B14F-4D97-AF65-F5344CB8AC3E}">
-        <p14:creationId xmlns:p14="http://schemas.microsoft.com/office/powerpoint/2010/main" val="2203614751"/>
-      </p:ext>
-    </p:extLst>
   </p:cSld>
   <p:clrMapOvr>
     <a:masterClrMapping/>
@@ -14553,6 +14414,7 @@
               <a:rPr lang="en-GB" dirty="0"/>
               <a:t>Uniform Cost: Results</a:t>
             </a:r>
+            <a:endParaRPr lang="en-GB" dirty="0"/>
           </a:p>
         </p:txBody>
       </p:sp>
@@ -14567,7 +14429,7 @@
           </p:nvPr>
         </p:nvPicPr>
         <p:blipFill>
-          <a:blip r:embed="rId2">
+          <a:blip r:embed="rId1">
             <a:extLst>
               <a:ext uri="{28A0092B-C50C-407E-A947-70E740481C1C}">
                 <a14:useLocalDpi xmlns:a14="http://schemas.microsoft.com/office/drawing/2010/main" val="0"/>
@@ -14589,7 +14451,6 @@
         <p:nvCxnSpPr>
           <p:cNvPr id="8" name="Straight Connector 7"/>
           <p:cNvCxnSpPr>
-            <a:cxnSpLocks/>
             <a:stCxn id="10" idx="6"/>
             <a:endCxn id="6" idx="0"/>
           </p:cNvCxnSpPr>
@@ -14624,7 +14485,6 @@
         <p:nvCxnSpPr>
           <p:cNvPr id="9" name="Straight Connector 8"/>
           <p:cNvCxnSpPr>
-            <a:cxnSpLocks/>
             <a:stCxn id="10" idx="2"/>
             <a:endCxn id="6" idx="2"/>
           </p:cNvCxnSpPr>
@@ -14664,7 +14524,7 @@
           <p:nvPr/>
         </p:nvPicPr>
         <p:blipFill rotWithShape="1">
-          <a:blip r:embed="rId2">
+          <a:blip r:embed="rId1">
             <a:extLst>
               <a:ext uri="{28A0092B-C50C-407E-A947-70E740481C1C}">
                 <a14:useLocalDpi xmlns:a14="http://schemas.microsoft.com/office/drawing/2010/main" val="0"/>
@@ -14672,7 +14532,9 @@
             </a:extLst>
           </a:blip>
           <a:srcRect l="2367" t="15127" r="53753" b="25107"/>
-          <a:stretch/>
+          <a:stretch>
+            <a:fillRect/>
+          </a:stretch>
         </p:blipFill>
         <p:spPr>
           <a:xfrm>
@@ -14744,7 +14606,7 @@
           <p:nvPr/>
         </p:nvPicPr>
         <p:blipFill>
-          <a:blip r:embed="rId3">
+          <a:blip r:embed="rId2">
             <a:extLst>
               <a:ext uri="{28A0092B-C50C-407E-A947-70E740481C1C}">
                 <a14:useLocalDpi xmlns:a14="http://schemas.microsoft.com/office/drawing/2010/main" val="0"/>
@@ -14774,7 +14636,7 @@
           <p:nvPr/>
         </p:nvPicPr>
         <p:blipFill>
-          <a:blip r:embed="rId4">
+          <a:blip r:embed="rId3">
             <a:extLst>
               <a:ext uri="{28A0092B-C50C-407E-A947-70E740481C1C}">
                 <a14:useLocalDpi xmlns:a14="http://schemas.microsoft.com/office/drawing/2010/main" val="0"/>
@@ -14797,13 +14659,7 @@
       </p:pic>
       <p:sp>
         <p:nvSpPr>
-          <p:cNvPr id="19" name="Donut 9">
-            <a:extLst>
-              <a:ext uri="{FF2B5EF4-FFF2-40B4-BE49-F238E27FC236}">
-                <a16:creationId xmlns:a16="http://schemas.microsoft.com/office/drawing/2014/main" id="{9C6FE185-078D-4D5F-B01F-9717DBA2549B}"/>
-              </a:ext>
-            </a:extLst>
-          </p:cNvPr>
+          <p:cNvPr id="19" name="Donut 9"/>
           <p:cNvSpPr/>
           <p:nvPr/>
         </p:nvSpPr>
@@ -14849,15 +14705,8 @@
       </p:sp>
       <p:cxnSp>
         <p:nvCxnSpPr>
-          <p:cNvPr id="23" name="Straight Connector 22">
-            <a:extLst>
-              <a:ext uri="{FF2B5EF4-FFF2-40B4-BE49-F238E27FC236}">
-                <a16:creationId xmlns:a16="http://schemas.microsoft.com/office/drawing/2014/main" id="{7A86C964-FE8F-4248-B6A0-E59A4195F48F}"/>
-              </a:ext>
-            </a:extLst>
-          </p:cNvPr>
+          <p:cNvPr id="23" name="Straight Connector 22"/>
           <p:cNvCxnSpPr>
-            <a:cxnSpLocks/>
             <a:stCxn id="19" idx="6"/>
             <a:endCxn id="22" idx="0"/>
           </p:cNvCxnSpPr>
@@ -14897,7 +14746,7 @@
           <p:nvPr/>
         </p:nvPicPr>
         <p:blipFill>
-          <a:blip r:embed="rId5">
+          <a:blip r:embed="rId4">
             <a:extLst>
               <a:ext uri="{28A0092B-C50C-407E-A947-70E740481C1C}">
                 <a14:useLocalDpi xmlns:a14="http://schemas.microsoft.com/office/drawing/2010/main" val="0"/>
@@ -14925,15 +14774,8 @@
       </p:pic>
       <p:cxnSp>
         <p:nvCxnSpPr>
-          <p:cNvPr id="24" name="Straight Connector 23">
-            <a:extLst>
-              <a:ext uri="{FF2B5EF4-FFF2-40B4-BE49-F238E27FC236}">
-                <a16:creationId xmlns:a16="http://schemas.microsoft.com/office/drawing/2014/main" id="{7CC69EA1-3DD6-40EB-8BB1-06C0D388E097}"/>
-              </a:ext>
-            </a:extLst>
-          </p:cNvPr>
+          <p:cNvPr id="24" name="Straight Connector 23"/>
           <p:cNvCxnSpPr>
-            <a:cxnSpLocks/>
             <a:stCxn id="19" idx="2"/>
             <a:endCxn id="22" idx="1"/>
           </p:cNvCxnSpPr>
@@ -14965,11 +14807,6 @@
         </p:style>
       </p:cxnSp>
     </p:spTree>
-    <p:extLst>
-      <p:ext uri="{BB962C8B-B14F-4D97-AF65-F5344CB8AC3E}">
-        <p14:creationId xmlns:p14="http://schemas.microsoft.com/office/powerpoint/2010/main" val="2428192452"/>
-      </p:ext>
-    </p:extLst>
   </p:cSld>
   <p:clrMapOvr>
     <a:masterClrMapping/>
@@ -15013,6 +14850,7 @@
               <a:rPr lang="en-GB" dirty="0"/>
               <a:t>Best-First: Explanation</a:t>
             </a:r>
+            <a:endParaRPr lang="en-GB" dirty="0"/>
           </a:p>
         </p:txBody>
       </p:sp>
@@ -15037,15 +14875,11 @@
               <a:rPr lang="en-GB" sz="2000" dirty="0"/>
               <a:t>Best-first search is a search algorithm which explores a graph by expanding the most promising node chosen according to a specified rule. As shown in our implementation, it starts from the node S and it ends at the node G1. The first node that is searched for is the smallest value which in this case ‘C’ and then it moves to the next value which is ‘J’ and the last value is ‘G1’ and then the searching stops here.</a:t>
             </a:r>
+            <a:endParaRPr lang="en-GB" sz="2000" dirty="0"/>
           </a:p>
         </p:txBody>
       </p:sp>
     </p:spTree>
-    <p:extLst>
-      <p:ext uri="{BB962C8B-B14F-4D97-AF65-F5344CB8AC3E}">
-        <p14:creationId xmlns:p14="http://schemas.microsoft.com/office/powerpoint/2010/main" val="3739338533"/>
-      </p:ext>
-    </p:extLst>
   </p:cSld>
   <p:clrMapOvr>
     <a:masterClrMapping/>
@@ -15072,56 +14906,26 @@
       </p:grpSpPr>
       <p:pic>
         <p:nvPicPr>
-          <p:cNvPr id="1027" name="Picture 3"/>
+          <p:cNvPr id="3" name="图片 2" descr="QQ浏览器截图20190405194641"/>
           <p:cNvPicPr>
-            <a:picLocks noChangeAspect="1" noChangeArrowheads="1"/>
+            <a:picLocks noChangeAspect="1"/>
           </p:cNvPicPr>
           <p:nvPr/>
         </p:nvPicPr>
         <p:blipFill>
-          <a:blip r:embed="rId2">
-            <a:extLst>
-              <a:ext uri="{28A0092B-C50C-407E-A947-70E740481C1C}">
-                <a14:useLocalDpi xmlns:a14="http://schemas.microsoft.com/office/drawing/2010/main" val="0"/>
-              </a:ext>
-            </a:extLst>
-          </a:blip>
-          <a:srcRect/>
+          <a:blip r:embed="rId1"/>
           <a:stretch>
             <a:fillRect/>
           </a:stretch>
         </p:blipFill>
-        <p:spPr bwMode="auto">
+        <p:spPr>
           <a:xfrm>
-            <a:off x="677335" y="2366213"/>
-            <a:ext cx="6740998" cy="3651374"/>
+            <a:off x="367030" y="2275205"/>
+            <a:ext cx="4342765" cy="4227195"/>
           </a:xfrm>
           <a:prstGeom prst="rect">
             <a:avLst/>
           </a:prstGeom>
-          <a:noFill/>
-          <a:ln>
-            <a:noFill/>
-          </a:ln>
-          <a:extLst>
-            <a:ext uri="{909E8E84-426E-40DD-AFC4-6F175D3DCCD1}">
-              <a14:hiddenFill xmlns:a14="http://schemas.microsoft.com/office/drawing/2010/main">
-                <a:solidFill>
-                  <a:schemeClr val="accent1"/>
-                </a:solidFill>
-              </a14:hiddenFill>
-            </a:ext>
-            <a:ext uri="{91240B29-F687-4F45-9708-019B960494DF}">
-              <a14:hiddenLine xmlns:a14="http://schemas.microsoft.com/office/drawing/2010/main" w="9525">
-                <a:solidFill>
-                  <a:schemeClr val="tx1"/>
-                </a:solidFill>
-                <a:miter lim="800000"/>
-                <a:headEnd/>
-                <a:tailEnd/>
-              </a14:hiddenLine>
-            </a:ext>
-          </a:extLst>
         </p:spPr>
       </p:pic>
       <p:sp>
@@ -15143,67 +14947,22 @@
               <a:rPr lang="en-GB" dirty="0"/>
               <a:t>Best-First: Results</a:t>
             </a:r>
+            <a:endParaRPr lang="en-GB" dirty="0"/>
           </a:p>
         </p:txBody>
       </p:sp>
-      <p:pic>
-        <p:nvPicPr>
-          <p:cNvPr id="6" name="Picture 5"/>
-          <p:cNvPicPr>
-            <a:picLocks noChangeAspect="1"/>
-          </p:cNvPicPr>
-          <p:nvPr/>
-        </p:nvPicPr>
-        <p:blipFill rotWithShape="1">
-          <a:blip r:embed="rId3"/>
-          <a:srcRect l="12147" t="21299" r="56378" b="41549"/>
-          <a:stretch/>
-        </p:blipFill>
-        <p:spPr>
-          <a:xfrm>
-            <a:off x="7459230" y="2366212"/>
-            <a:ext cx="3093160" cy="2059017"/>
-          </a:xfrm>
-          <a:prstGeom prst="rect">
-            <a:avLst/>
-          </a:prstGeom>
-        </p:spPr>
-      </p:pic>
-      <p:pic>
-        <p:nvPicPr>
-          <p:cNvPr id="7" name="Picture 6"/>
-          <p:cNvPicPr>
-            <a:picLocks noChangeAspect="1"/>
-          </p:cNvPicPr>
-          <p:nvPr/>
-        </p:nvPicPr>
-        <p:blipFill rotWithShape="1">
-          <a:blip r:embed="rId3"/>
-          <a:srcRect l="11836" t="57344" r="68756" b="22879"/>
-          <a:stretch/>
-        </p:blipFill>
-        <p:spPr>
-          <a:xfrm>
-            <a:off x="7459230" y="4401164"/>
-            <a:ext cx="3269763" cy="2018501"/>
-          </a:xfrm>
-          <a:prstGeom prst="rect">
-            <a:avLst/>
-          </a:prstGeom>
-        </p:spPr>
-      </p:pic>
       <p:cxnSp>
         <p:nvCxnSpPr>
           <p:cNvPr id="11" name="Straight Connector 10"/>
           <p:cNvCxnSpPr>
-            <a:stCxn id="4" idx="1"/>
+            <a:stCxn id="4" idx="6"/>
           </p:cNvCxnSpPr>
           <p:nvPr/>
         </p:nvCxnSpPr>
         <p:spPr>
-          <a:xfrm flipV="1">
-            <a:off x="2128204" y="4178968"/>
-            <a:ext cx="2002388" cy="901247"/>
+          <a:xfrm>
+            <a:off x="2702560" y="3243580"/>
+            <a:ext cx="2493645" cy="467995"/>
           </a:xfrm>
           <a:prstGeom prst="line">
             <a:avLst/>
@@ -15230,14 +14989,13 @@
           <p:cNvPr id="13" name="Straight Connector 12"/>
           <p:cNvCxnSpPr>
             <a:stCxn id="4" idx="6"/>
-            <a:endCxn id="14" idx="1"/>
           </p:cNvCxnSpPr>
           <p:nvPr/>
         </p:nvCxnSpPr>
         <p:spPr>
           <a:xfrm flipV="1">
-            <a:off x="3394911" y="4178967"/>
-            <a:ext cx="735681" cy="1122447"/>
+            <a:off x="2702560" y="2876550"/>
+            <a:ext cx="2552700" cy="367030"/>
           </a:xfrm>
           <a:prstGeom prst="line">
             <a:avLst/>
@@ -15267,12 +15025,12 @@
         </p:nvSpPr>
         <p:spPr>
           <a:xfrm>
-            <a:off x="1910872" y="4988592"/>
-            <a:ext cx="1484039" cy="625643"/>
+            <a:off x="470535" y="2552065"/>
+            <a:ext cx="2232025" cy="1383030"/>
           </a:xfrm>
           <a:prstGeom prst="donut">
             <a:avLst>
-              <a:gd name="adj" fmla="val 2734"/>
+              <a:gd name="adj" fmla="val 1825"/>
             </a:avLst>
           </a:prstGeom>
         </p:spPr>
@@ -15314,7 +15072,7 @@
           <p:nvPr/>
         </p:nvPicPr>
         <p:blipFill rotWithShape="1">
-          <a:blip r:embed="rId4">
+          <a:blip r:embed="rId2">
             <a:extLst>
               <a:ext uri="{28A0092B-C50C-407E-A947-70E740481C1C}">
                 <a14:useLocalDpi xmlns:a14="http://schemas.microsoft.com/office/drawing/2010/main" val="0"/>
@@ -15322,12 +15080,14 @@
             </a:extLst>
           </a:blip>
           <a:srcRect l="19085" t="72742" r="57514"/>
-          <a:stretch/>
+          <a:stretch>
+            <a:fillRect/>
+          </a:stretch>
         </p:blipFill>
         <p:spPr bwMode="auto">
           <a:xfrm>
-            <a:off x="4130592" y="3250897"/>
-            <a:ext cx="2941721" cy="1856139"/>
+            <a:off x="4753610" y="2329180"/>
+            <a:ext cx="2878455" cy="2200275"/>
           </a:xfrm>
           <a:prstGeom prst="rect">
             <a:avLst/>
@@ -15352,12 +15112,139 @@
           </a:extLst>
         </p:spPr>
       </p:pic>
+      <p:pic>
+        <p:nvPicPr>
+          <p:cNvPr id="5" name="图片 4" descr="QQ浏览器截图20190405194940"/>
+          <p:cNvPicPr>
+            <a:picLocks noChangeAspect="1"/>
+          </p:cNvPicPr>
+          <p:nvPr/>
+        </p:nvPicPr>
+        <p:blipFill>
+          <a:blip r:embed="rId3"/>
+          <a:stretch>
+            <a:fillRect/>
+          </a:stretch>
+        </p:blipFill>
+        <p:spPr>
+          <a:xfrm>
+            <a:off x="4753610" y="2328545"/>
+            <a:ext cx="2878455" cy="2200910"/>
+          </a:xfrm>
+          <a:prstGeom prst="rect">
+            <a:avLst/>
+          </a:prstGeom>
+        </p:spPr>
+      </p:pic>
+      <p:pic>
+        <p:nvPicPr>
+          <p:cNvPr id="8" name="图片 7" descr="QQ浏览器截图20190405195042"/>
+          <p:cNvPicPr>
+            <a:picLocks noChangeAspect="1"/>
+          </p:cNvPicPr>
+          <p:nvPr/>
+        </p:nvPicPr>
+        <p:blipFill>
+          <a:blip r:embed="rId4"/>
+          <a:stretch>
+            <a:fillRect/>
+          </a:stretch>
+        </p:blipFill>
+        <p:spPr>
+          <a:xfrm>
+            <a:off x="4709795" y="5471795"/>
+            <a:ext cx="3055620" cy="1030605"/>
+          </a:xfrm>
+          <a:prstGeom prst="rect">
+            <a:avLst/>
+          </a:prstGeom>
+        </p:spPr>
+      </p:pic>
+      <p:sp>
+        <p:nvSpPr>
+          <p:cNvPr id="9" name="文本框 8"/>
+          <p:cNvSpPr txBox="1"/>
+          <p:nvPr/>
+        </p:nvSpPr>
+        <p:spPr>
+          <a:xfrm>
+            <a:off x="5104130" y="4826635"/>
+            <a:ext cx="2176780" cy="645160"/>
+          </a:xfrm>
+          <a:prstGeom prst="rect">
+            <a:avLst/>
+          </a:prstGeom>
+          <a:noFill/>
+        </p:spPr>
+        <p:txBody>
+          <a:bodyPr wrap="square" rtlCol="0">
+            <a:spAutoFit/>
+          </a:bodyPr>
+          <a:p>
+            <a:r>
+              <a:rPr lang="en-US" altLang="zh-CN"/>
+              <a:t>Result of Greedy </a:t>
+            </a:r>
+            <a:endParaRPr lang="en-US" altLang="zh-CN"/>
+          </a:p>
+          <a:p>
+            <a:r>
+              <a:rPr lang="en-US" altLang="zh-CN"/>
+              <a:t>Best-First search</a:t>
+            </a:r>
+            <a:endParaRPr lang="en-US" altLang="zh-CN"/>
+          </a:p>
+        </p:txBody>
+      </p:sp>
+      <p:pic>
+        <p:nvPicPr>
+          <p:cNvPr id="12" name="图片 11" descr="QQ浏览器截图20190405195503"/>
+          <p:cNvPicPr>
+            <a:picLocks noChangeAspect="1"/>
+          </p:cNvPicPr>
+          <p:nvPr/>
+        </p:nvPicPr>
+        <p:blipFill>
+          <a:blip r:embed="rId5"/>
+          <a:stretch>
+            <a:fillRect/>
+          </a:stretch>
+        </p:blipFill>
+        <p:spPr>
+          <a:xfrm>
+            <a:off x="8352790" y="2329180"/>
+            <a:ext cx="2890520" cy="2199640"/>
+          </a:xfrm>
+          <a:prstGeom prst="rect">
+            <a:avLst/>
+          </a:prstGeom>
+        </p:spPr>
+      </p:pic>
+      <p:pic>
+        <p:nvPicPr>
+          <p:cNvPr id="15" name="图片 14" descr="QQ浏览器截图20190405195832"/>
+          <p:cNvPicPr>
+            <a:picLocks noChangeAspect="1"/>
+          </p:cNvPicPr>
+          <p:nvPr/>
+        </p:nvPicPr>
+        <p:blipFill>
+          <a:blip r:embed="rId6"/>
+          <a:stretch>
+            <a:fillRect/>
+          </a:stretch>
+        </p:blipFill>
+        <p:spPr>
+          <a:xfrm>
+            <a:off x="8642350" y="4528820"/>
+            <a:ext cx="2926080" cy="1932305"/>
+          </a:xfrm>
+          <a:prstGeom prst="rect">
+            <a:avLst/>
+          </a:prstGeom>
+        </p:spPr>
+      </p:pic>
     </p:spTree>
-    <p:extLst>
-      <p:ext uri="{BB962C8B-B14F-4D97-AF65-F5344CB8AC3E}">
-        <p14:creationId xmlns:p14="http://schemas.microsoft.com/office/powerpoint/2010/main" val="3923271375"/>
-      </p:ext>
-    </p:extLst>
   </p:cSld>
   <p:clrMapOvr>
     <a:masterClrMapping/>
@@ -15401,6 +15288,7 @@
               <a:rPr lang="en-GB" dirty="0"/>
               <a:t>Comparison / Analysis</a:t>
             </a:r>
+            <a:endParaRPr lang="en-GB" dirty="0"/>
           </a:p>
         </p:txBody>
       </p:sp>
@@ -15430,33 +15318,32 @@
               <a:rPr lang="en-GB" sz="2000" dirty="0"/>
               <a:t>Best-first search takes the children of any node selected meaning you cannot go back up a branch that has been discovered or used.</a:t>
             </a:r>
+            <a:endParaRPr lang="en-GB" sz="2000" dirty="0"/>
           </a:p>
           <a:p>
             <a:r>
               <a:rPr lang="en-GB" sz="2000" dirty="0"/>
               <a:t>Uniform Cost takes a look at all the nodes and selects the smallest node to use but allows going back up nodes to check the path from parent node to the child. </a:t>
             </a:r>
+            <a:endParaRPr lang="en-GB" sz="2000" dirty="0"/>
           </a:p>
           <a:p>
             <a:r>
               <a:rPr lang="en-GB" sz="2000" dirty="0"/>
               <a:t>Iterative Deepening is the slowest strategy of the three as it works in iterations but it very accurate as all paths are checked.</a:t>
             </a:r>
+            <a:endParaRPr lang="en-GB" sz="2000" dirty="0"/>
           </a:p>
           <a:p>
             <a:r>
               <a:rPr lang="en-GB" sz="2000" dirty="0"/>
               <a:t>So BFS is the quickest strategy, ID is the most accurate but lengthy and UC is a combination of the two meaning it is the quickest with the best possible results.</a:t>
             </a:r>
+            <a:endParaRPr lang="en-GB" sz="2000" dirty="0"/>
           </a:p>
         </p:txBody>
       </p:sp>
     </p:spTree>
-    <p:extLst>
-      <p:ext uri="{BB962C8B-B14F-4D97-AF65-F5344CB8AC3E}">
-        <p14:creationId xmlns:p14="http://schemas.microsoft.com/office/powerpoint/2010/main" val="3340658789"/>
-      </p:ext>
-    </p:extLst>
   </p:cSld>
   <p:clrMapOvr>
     <a:masterClrMapping/>
@@ -15507,7 +15394,7 @@
     </a:clrScheme>
     <a:fontScheme name="Ion Boardroom">
       <a:majorFont>
-        <a:latin typeface="Century Gothic" panose="020B0502020202020204"/>
+        <a:latin typeface="Century Gothic"/>
         <a:ea typeface=""/>
         <a:cs typeface=""/>
         <a:font script="Jpan" typeface="メイリオ"/>
@@ -15542,7 +15429,7 @@
         <a:font script="Geor" typeface="Sylfaen"/>
       </a:majorFont>
       <a:minorFont>
-        <a:latin typeface="Century Gothic" panose="020B0502020202020204"/>
+        <a:latin typeface="Century Gothic"/>
         <a:ea typeface=""/>
         <a:cs typeface=""/>
         <a:font script="Jpan" typeface="メイリオ"/>
@@ -15714,16 +15601,16 @@
               </a:schemeClr>
             </a:duotone>
           </a:blip>
-          <a:stretch/>
+          <a:stretch>
+            <a:fillRect/>
+          </a:stretch>
         </a:blipFill>
       </a:bgFillStyleLst>
     </a:fmtScheme>
   </a:themeElements>
-  <a:objectDefaults/>
-  <a:extraClrSchemeLst/>
   <a:extLst>
     <a:ext uri="{05A4C25C-085E-4340-85A3-A5531E510DB2}">
-      <thm15:themeFamily xmlns:thm15="http://schemas.microsoft.com/office/thememl/2012/main" name="Ion Boardroom" id="{FC33163D-4339-46B1-8EED-24C834239D99}" vid="{A3AB87EF-B655-4FFF-8D05-F333AD7F2789}"/>
+      <thm15:themeFamily xmlns:thm15="http://schemas.microsoft.com/office/thememl/2012/main" name="Office Theme" id="{62F939B6-93AF-4DB8-9C6B-D6C7DFDC589F}" vid="{4A3C46E8-61CC-4603-A589-7422A47A8E4A}"/>
     </a:ext>
   </a:extLst>
 </a:theme>
